--- a/Ceta-01-Git.pptx
+++ b/Ceta-01-Git.pptx
@@ -5,18 +5,19 @@
     <p:sldMasterId id="2147483648" r:id="rId1"/>
   </p:sldMasterIdLst>
   <p:notesMasterIdLst>
-    <p:notesMasterId r:id="rId11"/>
+    <p:notesMasterId r:id="rId12"/>
   </p:notesMasterIdLst>
   <p:sldIdLst>
     <p:sldId id="256" r:id="rId2"/>
     <p:sldId id="257" r:id="rId3"/>
     <p:sldId id="260" r:id="rId4"/>
-    <p:sldId id="258" r:id="rId5"/>
-    <p:sldId id="259" r:id="rId6"/>
-    <p:sldId id="261" r:id="rId7"/>
-    <p:sldId id="262" r:id="rId8"/>
-    <p:sldId id="264" r:id="rId9"/>
-    <p:sldId id="263" r:id="rId10"/>
+    <p:sldId id="265" r:id="rId5"/>
+    <p:sldId id="258" r:id="rId6"/>
+    <p:sldId id="259" r:id="rId7"/>
+    <p:sldId id="261" r:id="rId8"/>
+    <p:sldId id="262" r:id="rId9"/>
+    <p:sldId id="264" r:id="rId10"/>
+    <p:sldId id="263" r:id="rId11"/>
   </p:sldIdLst>
   <p:sldSz cx="9144000" cy="6858000" type="screen4x3"/>
   <p:notesSz cx="6858000" cy="9144000"/>
@@ -3626,6 +3627,66 @@
 </p:sld>
 </file>
 
+<file path=ppt/slides/slide10.xml><?xml version="1.0" encoding="utf-8"?>
+<p:sld xmlns:a="http://schemas.openxmlformats.org/drawingml/2006/main" xmlns:r="http://schemas.openxmlformats.org/officeDocument/2006/relationships" xmlns:p="http://schemas.openxmlformats.org/presentationml/2006/main">
+  <p:cSld>
+    <p:spTree>
+      <p:nvGrpSpPr>
+        <p:cNvPr id="1" name=""/>
+        <p:cNvGrpSpPr/>
+        <p:nvPr/>
+      </p:nvGrpSpPr>
+      <p:grpSpPr>
+        <a:xfrm>
+          <a:off x="0" y="0"/>
+          <a:ext cx="0" cy="0"/>
+          <a:chOff x="0" y="0"/>
+          <a:chExt cx="0" cy="0"/>
+        </a:xfrm>
+      </p:grpSpPr>
+      <p:pic>
+        <p:nvPicPr>
+          <p:cNvPr id="4" name="3 Imagen"/>
+          <p:cNvPicPr>
+            <a:picLocks noChangeAspect="1"/>
+          </p:cNvPicPr>
+          <p:nvPr/>
+        </p:nvPicPr>
+        <p:blipFill>
+          <a:blip r:embed="rId2">
+            <a:extLst>
+              <a:ext uri="{28A0092B-C50C-407E-A947-70E740481C1C}">
+                <a14:useLocalDpi xmlns:a14="http://schemas.microsoft.com/office/drawing/2010/main" val="0"/>
+              </a:ext>
+            </a:extLst>
+          </a:blip>
+          <a:stretch>
+            <a:fillRect/>
+          </a:stretch>
+        </p:blipFill>
+        <p:spPr>
+          <a:xfrm>
+            <a:off x="1638605" y="1196752"/>
+            <a:ext cx="5935844" cy="4389341"/>
+          </a:xfrm>
+          <a:prstGeom prst="rect">
+            <a:avLst/>
+          </a:prstGeom>
+        </p:spPr>
+      </p:pic>
+    </p:spTree>
+    <p:extLst>
+      <p:ext uri="{BB962C8B-B14F-4D97-AF65-F5344CB8AC3E}">
+        <p14:creationId xmlns:p14="http://schemas.microsoft.com/office/powerpoint/2010/main" val="880585673"/>
+      </p:ext>
+    </p:extLst>
+  </p:cSld>
+  <p:clrMapOvr>
+    <a:masterClrMapping/>
+  </p:clrMapOvr>
+</p:sld>
+</file>
+
 <file path=ppt/slides/slide2.xml><?xml version="1.0" encoding="utf-8"?>
 <p:sld xmlns:a="http://schemas.openxmlformats.org/drawingml/2006/main" xmlns:r="http://schemas.openxmlformats.org/officeDocument/2006/relationships" xmlns:p="http://schemas.openxmlformats.org/presentationml/2006/main">
   <p:cSld>
@@ -3902,7 +3963,11 @@
           <a:p>
             <a:r>
               <a:rPr lang="es-ES" dirty="0" smtClean="0"/>
-              <a:t>Uso básico - clone</a:t>
+              <a:t>Uso básico - </a:t>
+            </a:r>
+            <a:r>
+              <a:rPr lang="es-ES" dirty="0" err="1" smtClean="0"/>
+              <a:t>init</a:t>
             </a:r>
             <a:endParaRPr lang="en-GB" dirty="0"/>
           </a:p>
@@ -3923,16 +3988,16 @@
           <a:bodyPr/>
           <a:lstStyle/>
           <a:p>
-            <a:pPr marL="0" indent="0">
+            <a:pPr marL="0" indent="0" algn="ctr">
               <a:buNone/>
             </a:pPr>
             <a:r>
               <a:rPr lang="es-ES" dirty="0" smtClean="0"/>
-              <a:t>Crear una copia de un repositorio de trabajo</a:t>
-            </a:r>
-          </a:p>
-          <a:p>
-            <a:pPr marL="0" indent="0">
+              <a:t>Inicializando repositorio</a:t>
+            </a:r>
+          </a:p>
+          <a:p>
+            <a:pPr marL="0" indent="0" algn="ctr">
               <a:buNone/>
             </a:pPr>
             <a:endParaRPr lang="es-ES" dirty="0" smtClean="0"/>
@@ -3942,58 +4007,43 @@
               <a:buNone/>
             </a:pPr>
             <a:r>
-              <a:rPr lang="es-ES" b="1" dirty="0" err="1" smtClean="0"/>
-              <a:t>git</a:t>
-            </a:r>
-            <a:r>
-              <a:rPr lang="es-ES" b="1" dirty="0" smtClean="0"/>
-              <a:t> clone /</a:t>
-            </a:r>
-            <a:r>
-              <a:rPr lang="es-ES" b="1" dirty="0" err="1" smtClean="0"/>
-              <a:t>path</a:t>
-            </a:r>
-            <a:r>
-              <a:rPr lang="es-ES" b="1" dirty="0" smtClean="0"/>
-              <a:t>/</a:t>
-            </a:r>
-            <a:r>
-              <a:rPr lang="es-ES" b="1" dirty="0" err="1" smtClean="0"/>
-              <a:t>to</a:t>
-            </a:r>
-            <a:r>
-              <a:rPr lang="es-ES" b="1" dirty="0" smtClean="0"/>
-              <a:t>/</a:t>
-            </a:r>
-            <a:r>
-              <a:rPr lang="es-ES" b="1" dirty="0" err="1" smtClean="0"/>
-              <a:t>repository</a:t>
+              <a:rPr lang="en-GB" b="1" dirty="0" smtClean="0"/>
+              <a:t>git </a:t>
+            </a:r>
+            <a:r>
+              <a:rPr lang="en-GB" b="1" dirty="0" err="1" smtClean="0"/>
+              <a:t>init</a:t>
+            </a:r>
+            <a:r>
+              <a:rPr lang="en-GB" b="1" dirty="0" smtClean="0"/>
+              <a:t> </a:t>
+            </a:r>
+          </a:p>
+          <a:p>
+            <a:pPr marL="0" indent="0" algn="ctr">
+              <a:buNone/>
+            </a:pPr>
+            <a:r>
+              <a:rPr lang="en-GB" b="1" dirty="0" smtClean="0"/>
+              <a:t>git remote add origin </a:t>
+            </a:r>
+            <a:r>
+              <a:rPr lang="en-GB" dirty="0" smtClean="0"/>
+              <a:t>&lt;repo&gt;</a:t>
+            </a:r>
+            <a:endParaRPr lang="es-ES" dirty="0" smtClean="0"/>
+          </a:p>
+          <a:p>
+            <a:pPr marL="0" indent="0" algn="ctr">
+              <a:buNone/>
+            </a:pPr>
+            <a:r>
+              <a:rPr lang="en-GB" b="1" dirty="0" smtClean="0"/>
+              <a:t>git remote -v</a:t>
             </a:r>
             <a:endParaRPr lang="es-ES" b="1" dirty="0" smtClean="0"/>
           </a:p>
           <a:p>
-            <a:pPr marL="0" indent="0" algn="ctr">
-              <a:buNone/>
-            </a:pPr>
-            <a:endParaRPr lang="es-ES" dirty="0" smtClean="0"/>
-          </a:p>
-          <a:p>
-            <a:pPr marL="0" indent="0" algn="ctr">
-              <a:buNone/>
-            </a:pPr>
-            <a:r>
-              <a:rPr lang="es-ES" b="1" dirty="0" err="1" smtClean="0"/>
-              <a:t>git</a:t>
-            </a:r>
-            <a:r>
-              <a:rPr lang="es-ES" b="1" dirty="0" smtClean="0"/>
-              <a:t> clone https://github.com/ceta-project/materiales.git</a:t>
-            </a:r>
-          </a:p>
-          <a:p>
-            <a:pPr marL="0" indent="0">
-              <a:buNone/>
-            </a:pPr>
             <a:endParaRPr lang="en-GB" dirty="0"/>
           </a:p>
         </p:txBody>
@@ -4001,7 +4051,7 @@
     </p:spTree>
     <p:extLst>
       <p:ext uri="{BB962C8B-B14F-4D97-AF65-F5344CB8AC3E}">
-        <p14:creationId xmlns:p14="http://schemas.microsoft.com/office/powerpoint/2010/main" val="666249387"/>
+        <p14:creationId xmlns:p14="http://schemas.microsoft.com/office/powerpoint/2010/main" val="3110308632"/>
       </p:ext>
     </p:extLst>
   </p:cSld>
@@ -4045,11 +4095,7 @@
           <a:p>
             <a:r>
               <a:rPr lang="es-ES" dirty="0" smtClean="0"/>
-              <a:t>Uso básico - </a:t>
-            </a:r>
-            <a:r>
-              <a:rPr lang="es-ES" dirty="0" err="1" smtClean="0"/>
-              <a:t>add</a:t>
+              <a:t>Uso básico - clone</a:t>
             </a:r>
             <a:endParaRPr lang="en-GB" dirty="0"/>
           </a:p>
@@ -4070,54 +4116,69 @@
           <a:bodyPr/>
           <a:lstStyle/>
           <a:p>
+            <a:pPr marL="0" indent="0">
+              <a:buNone/>
+            </a:pPr>
+            <a:r>
+              <a:rPr lang="es-ES" dirty="0" smtClean="0"/>
+              <a:t>Crear una copia de un repositorio de trabajo</a:t>
+            </a:r>
+          </a:p>
+          <a:p>
+            <a:pPr marL="0" indent="0">
+              <a:buNone/>
+            </a:pPr>
+            <a:endParaRPr lang="es-ES" dirty="0" smtClean="0"/>
+          </a:p>
+          <a:p>
             <a:pPr marL="0" indent="0" algn="ctr">
               <a:buNone/>
             </a:pPr>
             <a:r>
-              <a:rPr lang="es-ES" dirty="0" smtClean="0"/>
-              <a:t>Agregar cambios al índice</a:t>
-            </a:r>
-            <a:endParaRPr lang="en-GB" dirty="0" smtClean="0"/>
+              <a:rPr lang="es-ES" b="1" dirty="0" err="1" smtClean="0"/>
+              <a:t>git</a:t>
+            </a:r>
+            <a:r>
+              <a:rPr lang="es-ES" b="1" dirty="0" smtClean="0"/>
+              <a:t> clone </a:t>
+            </a:r>
+            <a:r>
+              <a:rPr lang="en-GB" dirty="0" smtClean="0"/>
+              <a:t>&lt;path/to/repo&gt;</a:t>
+            </a:r>
+            <a:endParaRPr lang="es-ES" dirty="0" smtClean="0"/>
           </a:p>
           <a:p>
             <a:pPr marL="0" indent="0" algn="ctr">
               <a:buNone/>
             </a:pPr>
-            <a:endParaRPr lang="en-GB" b="1" dirty="0"/>
+            <a:endParaRPr lang="es-ES" dirty="0" smtClean="0"/>
           </a:p>
           <a:p>
             <a:pPr marL="0" indent="0" algn="ctr">
               <a:buNone/>
             </a:pPr>
             <a:r>
-              <a:rPr lang="en-GB" b="1" dirty="0" smtClean="0"/>
-              <a:t>git add filename</a:t>
-            </a:r>
-          </a:p>
-          <a:p>
-            <a:pPr marL="0" indent="0" algn="ctr">
+              <a:rPr lang="es-ES" b="1" dirty="0" err="1" smtClean="0"/>
+              <a:t>git</a:t>
+            </a:r>
+            <a:r>
+              <a:rPr lang="es-ES" b="1" dirty="0" smtClean="0"/>
+              <a:t> clone https://github.com/ceta-project/materiales.git</a:t>
+            </a:r>
+          </a:p>
+          <a:p>
+            <a:pPr marL="0" indent="0">
               <a:buNone/>
             </a:pPr>
-            <a:endParaRPr lang="es-ES" dirty="0"/>
-          </a:p>
-          <a:p>
-            <a:pPr marL="0" indent="0" algn="ctr">
-              <a:buNone/>
-            </a:pPr>
-            <a:r>
-              <a:rPr lang="en-GB" b="1" dirty="0" smtClean="0">
-                <a:effectLst/>
-              </a:rPr>
-              <a:t>git add README.md</a:t>
-            </a:r>
-            <a:endParaRPr lang="en-GB" b="1" dirty="0"/>
+            <a:endParaRPr lang="en-GB" dirty="0"/>
           </a:p>
         </p:txBody>
       </p:sp>
     </p:spTree>
     <p:extLst>
       <p:ext uri="{BB962C8B-B14F-4D97-AF65-F5344CB8AC3E}">
-        <p14:creationId xmlns:p14="http://schemas.microsoft.com/office/powerpoint/2010/main" val="1543835539"/>
+        <p14:creationId xmlns:p14="http://schemas.microsoft.com/office/powerpoint/2010/main" val="666249387"/>
       </p:ext>
     </p:extLst>
   </p:cSld>
@@ -4165,7 +4226,7 @@
             </a:r>
             <a:r>
               <a:rPr lang="es-ES" dirty="0" err="1" smtClean="0"/>
-              <a:t>commit</a:t>
+              <a:t>add</a:t>
             </a:r>
             <a:endParaRPr lang="en-GB" dirty="0"/>
           </a:p>
@@ -4189,9 +4250,49 @@
             <a:pPr marL="0" indent="0" algn="ctr">
               <a:buNone/>
             </a:pPr>
-            <a:endParaRPr lang="en-GB" b="1" dirty="0" smtClean="0">
-              <a:effectLst/>
-            </a:endParaRPr>
+            <a:r>
+              <a:rPr lang="es-ES" dirty="0" smtClean="0"/>
+              <a:t>Agregar cambios al índice</a:t>
+            </a:r>
+          </a:p>
+          <a:p>
+            <a:pPr marL="0" indent="0" algn="ctr">
+              <a:buNone/>
+            </a:pPr>
+            <a:r>
+              <a:rPr lang="es-ES" dirty="0" smtClean="0"/>
+              <a:t>(</a:t>
+            </a:r>
+            <a:r>
+              <a:rPr lang="es-ES" dirty="0" err="1" smtClean="0"/>
+              <a:t>checksum,timestamp</a:t>
+            </a:r>
+            <a:r>
+              <a:rPr lang="es-ES" dirty="0" smtClean="0"/>
+              <a:t>)</a:t>
+            </a:r>
+            <a:endParaRPr lang="en-GB" dirty="0" smtClean="0"/>
+          </a:p>
+          <a:p>
+            <a:pPr marL="0" indent="0" algn="ctr">
+              <a:buNone/>
+            </a:pPr>
+            <a:endParaRPr lang="en-GB" b="1" dirty="0"/>
+          </a:p>
+          <a:p>
+            <a:pPr marL="0" indent="0" algn="ctr">
+              <a:buNone/>
+            </a:pPr>
+            <a:r>
+              <a:rPr lang="en-GB" b="1" dirty="0" smtClean="0"/>
+              <a:t>git add filename</a:t>
+            </a:r>
+          </a:p>
+          <a:p>
+            <a:pPr marL="0" indent="0" algn="ctr">
+              <a:buNone/>
+            </a:pPr>
+            <a:endParaRPr lang="es-ES" dirty="0"/>
           </a:p>
           <a:p>
             <a:pPr marL="0" indent="0" algn="ctr">
@@ -4201,70 +4302,16 @@
               <a:rPr lang="en-GB" b="1" dirty="0" smtClean="0">
                 <a:effectLst/>
               </a:rPr>
-              <a:t>git commit –m </a:t>
-            </a:r>
-            <a:r>
-              <a:rPr lang="en-GB" b="1" dirty="0" smtClean="0">
-                <a:effectLst/>
-              </a:rPr>
-              <a:t> </a:t>
-            </a:r>
-            <a:r>
-              <a:rPr lang="en-GB" dirty="0" smtClean="0"/>
-              <a:t>&lt;</a:t>
-            </a:r>
-            <a:r>
-              <a:rPr lang="en-GB" dirty="0" err="1" smtClean="0"/>
-              <a:t>mensaje</a:t>
-            </a:r>
-            <a:r>
-              <a:rPr lang="en-GB" dirty="0" smtClean="0"/>
-              <a:t>&gt;</a:t>
-            </a:r>
-            <a:endParaRPr lang="es-ES" dirty="0" smtClean="0"/>
-          </a:p>
-          <a:p>
-            <a:pPr marL="0" indent="0" algn="ctr">
-              <a:buNone/>
-            </a:pPr>
-            <a:endParaRPr lang="es-ES" b="1" dirty="0"/>
-          </a:p>
-          <a:p>
-            <a:pPr marL="0" indent="0" algn="ctr">
-              <a:buNone/>
-            </a:pPr>
-            <a:r>
-              <a:rPr lang="en-GB" b="1" dirty="0" smtClean="0">
-                <a:effectLst/>
-              </a:rPr>
-              <a:t>git commit -m “add readme to repo </a:t>
-            </a:r>
-            <a:r>
-              <a:rPr lang="en-GB" b="1" dirty="0" smtClean="0">
-                <a:sym typeface="Wingdings" pitchFamily="2" charset="2"/>
-              </a:rPr>
-              <a:t>:)</a:t>
-            </a:r>
-            <a:r>
-              <a:rPr lang="en-GB" b="1" dirty="0" smtClean="0">
-                <a:effectLst/>
-              </a:rPr>
-              <a:t>"</a:t>
-            </a:r>
-            <a:endParaRPr lang="en-GB" b="1" dirty="0" smtClean="0"/>
-          </a:p>
-          <a:p>
-            <a:pPr marL="0" indent="0">
-              <a:buNone/>
-            </a:pPr>
-            <a:endParaRPr lang="en-GB" dirty="0"/>
+              <a:t>git add README.md</a:t>
+            </a:r>
+            <a:endParaRPr lang="en-GB" b="1" dirty="0"/>
           </a:p>
         </p:txBody>
       </p:sp>
     </p:spTree>
     <p:extLst>
       <p:ext uri="{BB962C8B-B14F-4D97-AF65-F5344CB8AC3E}">
-        <p14:creationId xmlns:p14="http://schemas.microsoft.com/office/powerpoint/2010/main" val="2182621402"/>
+        <p14:creationId xmlns:p14="http://schemas.microsoft.com/office/powerpoint/2010/main" val="1543835539"/>
       </p:ext>
     </p:extLst>
   </p:cSld>
@@ -4312,7 +4359,7 @@
             </a:r>
             <a:r>
               <a:rPr lang="es-ES" dirty="0" err="1" smtClean="0"/>
-              <a:t>push</a:t>
+              <a:t>commit</a:t>
             </a:r>
             <a:endParaRPr lang="en-GB" dirty="0"/>
           </a:p>
@@ -4332,6 +4379,14 @@
         <p:txBody>
           <a:bodyPr/>
           <a:lstStyle/>
+          <a:p>
+            <a:pPr marL="0" indent="0" algn="ctr">
+              <a:buNone/>
+            </a:pPr>
+            <a:endParaRPr lang="en-GB" b="1" dirty="0" smtClean="0">
+              <a:effectLst/>
+            </a:endParaRPr>
+          </a:p>
           <a:p>
             <a:pPr marL="0" indent="0" algn="ctr">
               <a:buNone/>
@@ -4340,46 +4395,57 @@
               <a:rPr lang="en-GB" b="1" dirty="0" smtClean="0">
                 <a:effectLst/>
               </a:rPr>
-              <a:t>git push  origin </a:t>
-            </a:r>
-            <a:r>
-              <a:rPr lang="en-GB" dirty="0"/>
-              <a:t>&lt;branch&gt;</a:t>
-            </a:r>
-            <a:endParaRPr lang="es-ES" dirty="0" smtClean="0"/>
-          </a:p>
-          <a:p>
-            <a:pPr marL="0" indent="0">
-              <a:buNone/>
-            </a:pPr>
-            <a:r>
-              <a:rPr lang="es-ES" dirty="0" smtClean="0"/>
-              <a:t>	</a:t>
-            </a:r>
-          </a:p>
-          <a:p>
-            <a:pPr marL="0" indent="0">
-              <a:buNone/>
-            </a:pPr>
-            <a:r>
-              <a:rPr lang="es-ES" dirty="0"/>
-              <a:t>	</a:t>
-            </a:r>
-            <a:r>
-              <a:rPr lang="es-ES" dirty="0" smtClean="0"/>
-              <a:t>	</a:t>
+              <a:t>git commit –m </a:t>
             </a:r>
             <a:r>
               <a:rPr lang="en-GB" b="1" dirty="0" smtClean="0">
                 <a:effectLst/>
               </a:rPr>
-              <a:t>git push  origin </a:t>
-            </a:r>
-            <a:r>
-              <a:rPr lang="en-GB" b="1" dirty="0" smtClean="0"/>
-              <a:t>master</a:t>
-            </a:r>
-            <a:endParaRPr lang="es-ES" b="1" dirty="0" smtClean="0"/>
+              <a:t> </a:t>
+            </a:r>
+            <a:r>
+              <a:rPr lang="en-GB" dirty="0" smtClean="0"/>
+              <a:t>&lt;</a:t>
+            </a:r>
+            <a:r>
+              <a:rPr lang="en-GB" dirty="0" err="1" smtClean="0"/>
+              <a:t>mensaje</a:t>
+            </a:r>
+            <a:r>
+              <a:rPr lang="en-GB" dirty="0" smtClean="0"/>
+              <a:t>&gt;</a:t>
+            </a:r>
+            <a:endParaRPr lang="es-ES" dirty="0" smtClean="0"/>
+          </a:p>
+          <a:p>
+            <a:pPr marL="0" indent="0" algn="ctr">
+              <a:buNone/>
+            </a:pPr>
+            <a:endParaRPr lang="es-ES" b="1" dirty="0"/>
+          </a:p>
+          <a:p>
+            <a:pPr marL="0" indent="0" algn="ctr">
+              <a:buNone/>
+            </a:pPr>
+            <a:r>
+              <a:rPr lang="en-GB" b="1" dirty="0" smtClean="0">
+                <a:effectLst/>
+              </a:rPr>
+              <a:t>git commit -m “add readme to repo </a:t>
+            </a:r>
+            <a:r>
+              <a:rPr lang="en-GB" b="1" dirty="0" smtClean="0">
+                <a:sym typeface="Wingdings" pitchFamily="2" charset="2"/>
+              </a:rPr>
+              <a:t>:)</a:t>
+            </a:r>
+            <a:r>
+              <a:rPr lang="en-GB" b="1" dirty="0" smtClean="0">
+                <a:effectLst/>
+              </a:rPr>
+              <a:t>"</a:t>
+            </a:r>
+            <a:endParaRPr lang="en-GB" b="1" dirty="0" smtClean="0"/>
           </a:p>
           <a:p>
             <a:pPr marL="0" indent="0">
@@ -4392,7 +4458,7 @@
     </p:spTree>
     <p:extLst>
       <p:ext uri="{BB962C8B-B14F-4D97-AF65-F5344CB8AC3E}">
-        <p14:creationId xmlns:p14="http://schemas.microsoft.com/office/powerpoint/2010/main" val="2746414600"/>
+        <p14:creationId xmlns:p14="http://schemas.microsoft.com/office/powerpoint/2010/main" val="2182621402"/>
       </p:ext>
     </p:extLst>
   </p:cSld>
@@ -4436,7 +4502,11 @@
           <a:p>
             <a:r>
               <a:rPr lang="es-ES" dirty="0" smtClean="0"/>
-              <a:t>Enlaces de interés</a:t>
+              <a:t>Uso básico - </a:t>
+            </a:r>
+            <a:r>
+              <a:rPr lang="es-ES" dirty="0" err="1" smtClean="0"/>
+              <a:t>push</a:t>
             </a:r>
             <a:endParaRPr lang="en-GB" dirty="0"/>
           </a:p>
@@ -4457,29 +4527,77 @@
           <a:bodyPr/>
           <a:lstStyle/>
           <a:p>
-            <a:endParaRPr lang="en-GB" dirty="0" smtClean="0">
-              <a:hlinkClick r:id="rId2"/>
+            <a:pPr marL="0" indent="0" algn="ctr">
+              <a:buNone/>
+            </a:pPr>
+            <a:r>
+              <a:rPr lang="es-ES" dirty="0" smtClean="0">
+                <a:effectLst/>
+              </a:rPr>
+              <a:t>Enviando cambios al repositorio remoto</a:t>
+            </a:r>
+          </a:p>
+          <a:p>
+            <a:pPr marL="0" indent="0" algn="ctr">
+              <a:buNone/>
+            </a:pPr>
+            <a:endParaRPr lang="en-GB" b="1" dirty="0" smtClean="0">
+              <a:effectLst/>
             </a:endParaRPr>
           </a:p>
           <a:p>
-            <a:r>
-              <a:rPr lang="en-GB" dirty="0" smtClean="0">
-                <a:hlinkClick r:id="rId2"/>
+            <a:pPr marL="0" indent="0" algn="ctr">
+              <a:buNone/>
+            </a:pPr>
+            <a:r>
+              <a:rPr lang="en-GB" b="1" dirty="0" smtClean="0">
+                <a:effectLst/>
               </a:rPr>
-              <a:t>https://git-scm.com/docs/git</a:t>
-            </a:r>
-            <a:endParaRPr lang="en-GB" dirty="0" smtClean="0"/>
-          </a:p>
-          <a:p>
-            <a:r>
-              <a:rPr lang="en-GB" dirty="0" smtClean="0">
-                <a:hlinkClick r:id="rId3"/>
+              <a:t>git push  origin </a:t>
+            </a:r>
+            <a:r>
+              <a:rPr lang="en-GB" dirty="0"/>
+              <a:t>&lt;branch&gt;</a:t>
+            </a:r>
+            <a:endParaRPr lang="es-ES" dirty="0" smtClean="0"/>
+          </a:p>
+          <a:p>
+            <a:pPr marL="0" indent="0">
+              <a:buNone/>
+            </a:pPr>
+            <a:r>
+              <a:rPr lang="es-ES" dirty="0" smtClean="0"/>
+              <a:t>	</a:t>
+            </a:r>
+          </a:p>
+          <a:p>
+            <a:pPr marL="0" indent="0">
+              <a:buNone/>
+            </a:pPr>
+            <a:r>
+              <a:rPr lang="es-ES" dirty="0"/>
+              <a:t>	</a:t>
+            </a:r>
+            <a:r>
+              <a:rPr lang="es-ES" dirty="0" smtClean="0"/>
+              <a:t>	</a:t>
+            </a:r>
+            <a:r>
+              <a:rPr lang="en-GB" b="1" dirty="0" smtClean="0">
+                <a:effectLst/>
               </a:rPr>
-              <a:t>https://es.wikipedia.org/wiki/Git</a:t>
-            </a:r>
-            <a:endParaRPr lang="en-GB" dirty="0" smtClean="0"/>
-          </a:p>
-          <a:p>
+              <a:t>git push  origin </a:t>
+            </a:r>
+            <a:r>
+              <a:rPr lang="en-GB" b="1" dirty="0" smtClean="0"/>
+              <a:t>master</a:t>
+            </a:r>
+            <a:endParaRPr lang="es-ES" b="1" dirty="0" smtClean="0"/>
+          </a:p>
+          <a:p>
+            <a:pPr marL="0" indent="0">
+              <a:buNone/>
+            </a:pPr>
             <a:endParaRPr lang="en-GB" dirty="0"/>
           </a:p>
         </p:txBody>
@@ -4487,7 +4605,7 @@
     </p:spTree>
     <p:extLst>
       <p:ext uri="{BB962C8B-B14F-4D97-AF65-F5344CB8AC3E}">
-        <p14:creationId xmlns:p14="http://schemas.microsoft.com/office/powerpoint/2010/main" val="1617905666"/>
+        <p14:creationId xmlns:p14="http://schemas.microsoft.com/office/powerpoint/2010/main" val="2746414600"/>
       </p:ext>
     </p:extLst>
   </p:cSld>
@@ -4514,40 +4632,84 @@
           <a:chExt cx="0" cy="0"/>
         </a:xfrm>
       </p:grpSpPr>
-      <p:pic>
-        <p:nvPicPr>
-          <p:cNvPr id="4" name="3 Imagen"/>
-          <p:cNvPicPr>
-            <a:picLocks noChangeAspect="1"/>
-          </p:cNvPicPr>
-          <p:nvPr/>
-        </p:nvPicPr>
-        <p:blipFill>
-          <a:blip r:embed="rId2">
-            <a:extLst>
-              <a:ext uri="{28A0092B-C50C-407E-A947-70E740481C1C}">
-                <a14:useLocalDpi xmlns:a14="http://schemas.microsoft.com/office/drawing/2010/main" val="0"/>
-              </a:ext>
-            </a:extLst>
-          </a:blip>
-          <a:stretch>
-            <a:fillRect/>
-          </a:stretch>
-        </p:blipFill>
-        <p:spPr>
-          <a:xfrm>
-            <a:off x="1638605" y="1196752"/>
-            <a:ext cx="5935844" cy="4389341"/>
-          </a:xfrm>
-          <a:prstGeom prst="rect">
-            <a:avLst/>
-          </a:prstGeom>
-        </p:spPr>
-      </p:pic>
+      <p:sp>
+        <p:nvSpPr>
+          <p:cNvPr id="2" name="1 Título"/>
+          <p:cNvSpPr>
+            <a:spLocks noGrp="1"/>
+          </p:cNvSpPr>
+          <p:nvPr>
+            <p:ph type="title"/>
+          </p:nvPr>
+        </p:nvSpPr>
+        <p:spPr/>
+        <p:txBody>
+          <a:bodyPr/>
+          <a:lstStyle/>
+          <a:p>
+            <a:r>
+              <a:rPr lang="es-ES" dirty="0" smtClean="0"/>
+              <a:t>Enlaces de interés</a:t>
+            </a:r>
+            <a:endParaRPr lang="en-GB" dirty="0"/>
+          </a:p>
+        </p:txBody>
+      </p:sp>
+      <p:sp>
+        <p:nvSpPr>
+          <p:cNvPr id="3" name="2 Marcador de contenido"/>
+          <p:cNvSpPr>
+            <a:spLocks noGrp="1"/>
+          </p:cNvSpPr>
+          <p:nvPr>
+            <p:ph idx="1"/>
+          </p:nvPr>
+        </p:nvSpPr>
+        <p:spPr/>
+        <p:txBody>
+          <a:bodyPr/>
+          <a:lstStyle/>
+          <a:p>
+            <a:endParaRPr lang="en-GB" dirty="0" smtClean="0">
+              <a:hlinkClick r:id="rId2"/>
+            </a:endParaRPr>
+          </a:p>
+          <a:p>
+            <a:r>
+              <a:rPr lang="en-GB" dirty="0" smtClean="0">
+                <a:hlinkClick r:id="rId2"/>
+              </a:rPr>
+              <a:t>https://git-scm.com/docs/git</a:t>
+            </a:r>
+            <a:endParaRPr lang="en-GB" dirty="0" smtClean="0"/>
+          </a:p>
+          <a:p>
+            <a:r>
+              <a:rPr lang="en-GB" dirty="0" smtClean="0">
+                <a:hlinkClick r:id="rId3"/>
+              </a:rPr>
+              <a:t>https://es.wikipedia.org/wiki/Git</a:t>
+            </a:r>
+            <a:endParaRPr lang="en-GB" dirty="0" smtClean="0"/>
+          </a:p>
+          <a:p>
+            <a:r>
+              <a:rPr lang="en-GB" dirty="0" smtClean="0">
+                <a:hlinkClick r:id="rId4"/>
+              </a:rPr>
+              <a:t>https://git-scm.com/book/en/v1/Getting-Started-Git-Basics#_the_three_states</a:t>
+            </a:r>
+            <a:endParaRPr lang="en-GB" dirty="0" smtClean="0"/>
+          </a:p>
+          <a:p>
+            <a:endParaRPr lang="en-GB" dirty="0"/>
+          </a:p>
+        </p:txBody>
+      </p:sp>
     </p:spTree>
     <p:extLst>
       <p:ext uri="{BB962C8B-B14F-4D97-AF65-F5344CB8AC3E}">
-        <p14:creationId xmlns:p14="http://schemas.microsoft.com/office/powerpoint/2010/main" val="880585673"/>
+        <p14:creationId xmlns:p14="http://schemas.microsoft.com/office/powerpoint/2010/main" val="1617905666"/>
       </p:ext>
     </p:extLst>
   </p:cSld>

--- a/Ceta-01-Git.pptx
+++ b/Ceta-01-Git.pptx
@@ -5,7 +5,7 @@
     <p:sldMasterId id="2147483648" r:id="rId1"/>
   </p:sldMasterIdLst>
   <p:notesMasterIdLst>
-    <p:notesMasterId r:id="rId12"/>
+    <p:notesMasterId r:id="rId14"/>
   </p:notesMasterIdLst>
   <p:sldIdLst>
     <p:sldId id="256" r:id="rId2"/>
@@ -16,8 +16,10 @@
     <p:sldId id="259" r:id="rId7"/>
     <p:sldId id="261" r:id="rId8"/>
     <p:sldId id="262" r:id="rId9"/>
-    <p:sldId id="264" r:id="rId10"/>
-    <p:sldId id="263" r:id="rId11"/>
+    <p:sldId id="266" r:id="rId10"/>
+    <p:sldId id="267" r:id="rId11"/>
+    <p:sldId id="264" r:id="rId12"/>
+    <p:sldId id="263" r:id="rId13"/>
   </p:sldIdLst>
   <p:sldSz cx="9144000" cy="6858000" type="screen4x3"/>
   <p:notesSz cx="6858000" cy="9144000"/>
@@ -3580,7 +3582,7 @@
         <p:spPr>
           <a:xfrm>
             <a:off x="2519264" y="5620598"/>
-            <a:ext cx="4032448" cy="369332"/>
+            <a:ext cx="4573016" cy="369332"/>
           </a:xfrm>
           <a:prstGeom prst="rect">
             <a:avLst/>
@@ -3606,6 +3608,7 @@
           </a:bodyPr>
           <a:lstStyle/>
           <a:p>
+            <a:pPr algn="ctr"/>
             <a:r>
               <a:rPr lang="es-ES" dirty="0" smtClean="0"/>
               <a:t>01 -  Sistema de control de versiones</a:t>
@@ -3624,10 +3627,420 @@
   <p:clrMapOvr>
     <a:masterClrMapping/>
   </p:clrMapOvr>
+  <p:timing>
+    <p:tnLst>
+      <p:par>
+        <p:cTn id="1" dur="indefinite" restart="never" nodeType="tmRoot"/>
+      </p:par>
+    </p:tnLst>
+  </p:timing>
 </p:sld>
 </file>
 
 <file path=ppt/slides/slide10.xml><?xml version="1.0" encoding="utf-8"?>
+<p:sld xmlns:a="http://schemas.openxmlformats.org/drawingml/2006/main" xmlns:r="http://schemas.openxmlformats.org/officeDocument/2006/relationships" xmlns:p="http://schemas.openxmlformats.org/presentationml/2006/main">
+  <p:cSld>
+    <p:spTree>
+      <p:nvGrpSpPr>
+        <p:cNvPr id="1" name=""/>
+        <p:cNvGrpSpPr/>
+        <p:nvPr/>
+      </p:nvGrpSpPr>
+      <p:grpSpPr>
+        <a:xfrm>
+          <a:off x="0" y="0"/>
+          <a:ext cx="0" cy="0"/>
+          <a:chOff x="0" y="0"/>
+          <a:chExt cx="0" cy="0"/>
+        </a:xfrm>
+      </p:grpSpPr>
+      <p:sp>
+        <p:nvSpPr>
+          <p:cNvPr id="2" name="1 Título"/>
+          <p:cNvSpPr>
+            <a:spLocks noGrp="1"/>
+          </p:cNvSpPr>
+          <p:nvPr>
+            <p:ph type="title"/>
+          </p:nvPr>
+        </p:nvSpPr>
+        <p:spPr/>
+        <p:txBody>
+          <a:bodyPr/>
+          <a:lstStyle/>
+          <a:p>
+            <a:r>
+              <a:rPr lang="es-ES" dirty="0" smtClean="0"/>
+              <a:t>Uso básico – </a:t>
+            </a:r>
+            <a:r>
+              <a:rPr lang="es-ES" dirty="0" err="1" smtClean="0"/>
+              <a:t>checkout</a:t>
+            </a:r>
+            <a:r>
+              <a:rPr lang="es-ES" dirty="0" smtClean="0"/>
+              <a:t>/</a:t>
+            </a:r>
+            <a:r>
+              <a:rPr lang="es-ES" dirty="0" err="1" smtClean="0"/>
+              <a:t>branch</a:t>
+            </a:r>
+            <a:endParaRPr lang="en-GB" dirty="0"/>
+          </a:p>
+        </p:txBody>
+      </p:sp>
+      <p:sp>
+        <p:nvSpPr>
+          <p:cNvPr id="3" name="2 Marcador de contenido"/>
+          <p:cNvSpPr>
+            <a:spLocks noGrp="1"/>
+          </p:cNvSpPr>
+          <p:nvPr>
+            <p:ph idx="1"/>
+          </p:nvPr>
+        </p:nvSpPr>
+        <p:spPr>
+          <a:xfrm>
+            <a:off x="457200" y="2204864"/>
+            <a:ext cx="8229600" cy="3921299"/>
+          </a:xfrm>
+        </p:spPr>
+        <p:txBody>
+          <a:bodyPr>
+            <a:normAutofit fontScale="62500" lnSpcReduction="20000"/>
+          </a:bodyPr>
+          <a:lstStyle/>
+          <a:p>
+            <a:pPr marL="0" indent="0">
+              <a:buNone/>
+            </a:pPr>
+            <a:r>
+              <a:rPr lang="es-ES" dirty="0" smtClean="0"/>
+              <a:t>	Ver ramas - </a:t>
+            </a:r>
+            <a:r>
+              <a:rPr lang="es-ES" b="1" dirty="0" err="1" smtClean="0"/>
+              <a:t>git</a:t>
+            </a:r>
+            <a:r>
+              <a:rPr lang="es-ES" b="1" dirty="0" smtClean="0"/>
+              <a:t> </a:t>
+            </a:r>
+            <a:r>
+              <a:rPr lang="es-ES" b="1" dirty="0" err="1" smtClean="0"/>
+              <a:t>branch</a:t>
+            </a:r>
+            <a:endParaRPr lang="es-ES" b="1" dirty="0" smtClean="0"/>
+          </a:p>
+          <a:p>
+            <a:pPr marL="0" indent="0" algn="ctr">
+              <a:buNone/>
+            </a:pPr>
+            <a:endParaRPr lang="es-ES" b="1" dirty="0" smtClean="0"/>
+          </a:p>
+          <a:p>
+            <a:pPr marL="0" indent="0">
+              <a:buNone/>
+            </a:pPr>
+            <a:r>
+              <a:rPr lang="es-ES" dirty="0"/>
+              <a:t>	</a:t>
+            </a:r>
+            <a:r>
+              <a:rPr lang="es-ES" dirty="0" smtClean="0"/>
+              <a:t>Crear rama - </a:t>
+            </a:r>
+            <a:r>
+              <a:rPr lang="en-GB" b="1" dirty="0" smtClean="0"/>
+              <a:t>git </a:t>
+            </a:r>
+            <a:r>
+              <a:rPr lang="en-GB" b="1" dirty="0"/>
+              <a:t>checkout -b </a:t>
+            </a:r>
+            <a:r>
+              <a:rPr lang="en-GB" b="1" dirty="0" smtClean="0"/>
+              <a:t>&lt;</a:t>
+            </a:r>
+            <a:r>
+              <a:rPr lang="en-GB" b="1" dirty="0" err="1" smtClean="0"/>
+              <a:t>rama</a:t>
+            </a:r>
+            <a:r>
+              <a:rPr lang="en-GB" b="1" dirty="0" smtClean="0"/>
+              <a:t>&gt;</a:t>
+            </a:r>
+          </a:p>
+          <a:p>
+            <a:pPr marL="0" indent="0">
+              <a:buNone/>
+            </a:pPr>
+            <a:endParaRPr lang="es-ES" dirty="0"/>
+          </a:p>
+          <a:p>
+            <a:pPr marL="0" indent="0">
+              <a:buNone/>
+            </a:pPr>
+            <a:r>
+              <a:rPr lang="es-ES" dirty="0"/>
+              <a:t>	</a:t>
+            </a:r>
+            <a:r>
+              <a:rPr lang="es-ES" dirty="0" smtClean="0"/>
+              <a:t>Cambiar de rama - </a:t>
+            </a:r>
+            <a:r>
+              <a:rPr lang="en-GB" b="1" dirty="0" smtClean="0"/>
+              <a:t>git </a:t>
+            </a:r>
+            <a:r>
+              <a:rPr lang="en-GB" b="1" dirty="0"/>
+              <a:t>checkout </a:t>
+            </a:r>
+            <a:r>
+              <a:rPr lang="en-GB" b="1" dirty="0" smtClean="0"/>
+              <a:t>master</a:t>
+            </a:r>
+          </a:p>
+          <a:p>
+            <a:pPr marL="0" indent="0">
+              <a:buNone/>
+            </a:pPr>
+            <a:endParaRPr lang="en-GB" dirty="0" smtClean="0"/>
+          </a:p>
+          <a:p>
+            <a:pPr marL="0" indent="0">
+              <a:buNone/>
+            </a:pPr>
+            <a:r>
+              <a:rPr lang="es-ES" dirty="0"/>
+              <a:t>	</a:t>
+            </a:r>
+            <a:r>
+              <a:rPr lang="es-ES" dirty="0" smtClean="0"/>
+              <a:t>Borrar rama - </a:t>
+            </a:r>
+            <a:r>
+              <a:rPr lang="en-GB" b="1" dirty="0" smtClean="0"/>
+              <a:t>git </a:t>
+            </a:r>
+            <a:r>
+              <a:rPr lang="en-GB" b="1" dirty="0"/>
+              <a:t>branch -d </a:t>
+            </a:r>
+            <a:r>
+              <a:rPr lang="en-GB" b="1" dirty="0" smtClean="0"/>
+              <a:t>&lt;</a:t>
+            </a:r>
+            <a:r>
+              <a:rPr lang="en-GB" b="1" dirty="0" err="1" smtClean="0"/>
+              <a:t>rama</a:t>
+            </a:r>
+            <a:r>
+              <a:rPr lang="en-GB" b="1" dirty="0" smtClean="0"/>
+              <a:t>&gt;</a:t>
+            </a:r>
+          </a:p>
+          <a:p>
+            <a:pPr marL="0" indent="0">
+              <a:buNone/>
+            </a:pPr>
+            <a:endParaRPr lang="es-ES" b="1" dirty="0"/>
+          </a:p>
+          <a:p>
+            <a:pPr marL="0" indent="0">
+              <a:buNone/>
+            </a:pPr>
+            <a:r>
+              <a:rPr lang="es-ES" dirty="0" smtClean="0"/>
+              <a:t>	Mezclar ramas </a:t>
+            </a:r>
+            <a:r>
+              <a:rPr lang="es-ES" b="1" dirty="0" smtClean="0"/>
+              <a:t>- </a:t>
+            </a:r>
+            <a:r>
+              <a:rPr lang="en-GB" b="1" dirty="0"/>
+              <a:t>git merge </a:t>
+            </a:r>
+            <a:r>
+              <a:rPr lang="en-GB" b="1" dirty="0" smtClean="0"/>
+              <a:t>&lt;</a:t>
+            </a:r>
+            <a:r>
+              <a:rPr lang="en-GB" b="1" dirty="0" err="1" smtClean="0"/>
+              <a:t>rama</a:t>
+            </a:r>
+            <a:r>
+              <a:rPr lang="en-GB" b="1" dirty="0" smtClean="0"/>
+              <a:t>&gt;</a:t>
+            </a:r>
+            <a:endParaRPr lang="es-ES" b="1" dirty="0"/>
+          </a:p>
+          <a:p>
+            <a:pPr marL="0" indent="0">
+              <a:buNone/>
+            </a:pPr>
+            <a:r>
+              <a:rPr lang="es-ES" dirty="0"/>
+              <a:t>	</a:t>
+            </a:r>
+            <a:endParaRPr lang="es-ES" dirty="0" smtClean="0"/>
+          </a:p>
+          <a:p>
+            <a:pPr marL="0" indent="0">
+              <a:buNone/>
+            </a:pPr>
+            <a:r>
+              <a:rPr lang="es-ES" dirty="0"/>
+              <a:t>	</a:t>
+            </a:r>
+            <a:endParaRPr lang="es-ES" dirty="0" smtClean="0"/>
+          </a:p>
+          <a:p>
+            <a:pPr marL="0" indent="0">
+              <a:buNone/>
+            </a:pPr>
+            <a:r>
+              <a:rPr lang="es-ES" dirty="0"/>
+              <a:t>	</a:t>
+            </a:r>
+            <a:endParaRPr lang="en-GB" dirty="0"/>
+          </a:p>
+        </p:txBody>
+      </p:sp>
+    </p:spTree>
+    <p:extLst>
+      <p:ext uri="{BB962C8B-B14F-4D97-AF65-F5344CB8AC3E}">
+        <p14:creationId xmlns:p14="http://schemas.microsoft.com/office/powerpoint/2010/main" val="3441538986"/>
+      </p:ext>
+    </p:extLst>
+  </p:cSld>
+  <p:clrMapOvr>
+    <a:masterClrMapping/>
+  </p:clrMapOvr>
+  <p:timing>
+    <p:tnLst>
+      <p:par>
+        <p:cTn id="1" dur="indefinite" restart="never" nodeType="tmRoot"/>
+      </p:par>
+    </p:tnLst>
+  </p:timing>
+</p:sld>
+</file>
+
+<file path=ppt/slides/slide11.xml><?xml version="1.0" encoding="utf-8"?>
+<p:sld xmlns:a="http://schemas.openxmlformats.org/drawingml/2006/main" xmlns:r="http://schemas.openxmlformats.org/officeDocument/2006/relationships" xmlns:p="http://schemas.openxmlformats.org/presentationml/2006/main">
+  <p:cSld>
+    <p:spTree>
+      <p:nvGrpSpPr>
+        <p:cNvPr id="1" name=""/>
+        <p:cNvGrpSpPr/>
+        <p:nvPr/>
+      </p:nvGrpSpPr>
+      <p:grpSpPr>
+        <a:xfrm>
+          <a:off x="0" y="0"/>
+          <a:ext cx="0" cy="0"/>
+          <a:chOff x="0" y="0"/>
+          <a:chExt cx="0" cy="0"/>
+        </a:xfrm>
+      </p:grpSpPr>
+      <p:sp>
+        <p:nvSpPr>
+          <p:cNvPr id="2" name="1 Título"/>
+          <p:cNvSpPr>
+            <a:spLocks noGrp="1"/>
+          </p:cNvSpPr>
+          <p:nvPr>
+            <p:ph type="title"/>
+          </p:nvPr>
+        </p:nvSpPr>
+        <p:spPr/>
+        <p:txBody>
+          <a:bodyPr/>
+          <a:lstStyle/>
+          <a:p>
+            <a:r>
+              <a:rPr lang="es-ES" dirty="0" smtClean="0"/>
+              <a:t>Enlaces de interés</a:t>
+            </a:r>
+            <a:endParaRPr lang="en-GB" dirty="0"/>
+          </a:p>
+        </p:txBody>
+      </p:sp>
+      <p:sp>
+        <p:nvSpPr>
+          <p:cNvPr id="3" name="2 Marcador de contenido"/>
+          <p:cNvSpPr>
+            <a:spLocks noGrp="1"/>
+          </p:cNvSpPr>
+          <p:nvPr>
+            <p:ph idx="1"/>
+          </p:nvPr>
+        </p:nvSpPr>
+        <p:spPr/>
+        <p:txBody>
+          <a:bodyPr/>
+          <a:lstStyle/>
+          <a:p>
+            <a:endParaRPr lang="en-GB" dirty="0" smtClean="0">
+              <a:hlinkClick r:id="rId2"/>
+            </a:endParaRPr>
+          </a:p>
+          <a:p>
+            <a:r>
+              <a:rPr lang="en-GB" dirty="0" smtClean="0">
+                <a:hlinkClick r:id="rId2"/>
+              </a:rPr>
+              <a:t>https://git-scm.com/docs/git</a:t>
+            </a:r>
+            <a:endParaRPr lang="en-GB" dirty="0" smtClean="0"/>
+          </a:p>
+          <a:p>
+            <a:r>
+              <a:rPr lang="en-GB" dirty="0" smtClean="0">
+                <a:hlinkClick r:id="rId3"/>
+              </a:rPr>
+              <a:t>https://es.wikipedia.org/wiki/Git</a:t>
+            </a:r>
+            <a:endParaRPr lang="en-GB" dirty="0" smtClean="0"/>
+          </a:p>
+          <a:p>
+            <a:r>
+              <a:rPr lang="en-GB" dirty="0" smtClean="0">
+                <a:hlinkClick r:id="rId4"/>
+              </a:rPr>
+              <a:t>https://git-scm.com/book/en/v1/Getting-Started-Git-Basics#_the_three_states</a:t>
+            </a:r>
+            <a:endParaRPr lang="en-GB" dirty="0" smtClean="0"/>
+          </a:p>
+          <a:p>
+            <a:endParaRPr lang="en-GB" dirty="0"/>
+          </a:p>
+        </p:txBody>
+      </p:sp>
+    </p:spTree>
+    <p:extLst>
+      <p:ext uri="{BB962C8B-B14F-4D97-AF65-F5344CB8AC3E}">
+        <p14:creationId xmlns:p14="http://schemas.microsoft.com/office/powerpoint/2010/main" val="1617905666"/>
+      </p:ext>
+    </p:extLst>
+  </p:cSld>
+  <p:clrMapOvr>
+    <a:masterClrMapping/>
+  </p:clrMapOvr>
+  <p:timing>
+    <p:tnLst>
+      <p:par>
+        <p:cTn id="1" dur="indefinite" restart="never" nodeType="tmRoot"/>
+      </p:par>
+    </p:tnLst>
+  </p:timing>
+</p:sld>
+</file>
+
+<file path=ppt/slides/slide12.xml><?xml version="1.0" encoding="utf-8"?>
 <p:sld xmlns:a="http://schemas.openxmlformats.org/drawingml/2006/main" xmlns:r="http://schemas.openxmlformats.org/officeDocument/2006/relationships" xmlns:p="http://schemas.openxmlformats.org/presentationml/2006/main">
   <p:cSld>
     <p:spTree>
@@ -3684,6 +4097,13 @@
   <p:clrMapOvr>
     <a:masterClrMapping/>
   </p:clrMapOvr>
+  <p:timing>
+    <p:tnLst>
+      <p:par>
+        <p:cTn id="1" dur="indefinite" restart="never" nodeType="tmRoot"/>
+      </p:par>
+    </p:tnLst>
+  </p:timing>
 </p:sld>
 </file>
 
@@ -3791,6 +4211,13 @@
   <p:clrMapOvr>
     <a:masterClrMapping/>
   </p:clrMapOvr>
+  <p:timing>
+    <p:tnLst>
+      <p:par>
+        <p:cTn id="1" dur="indefinite" restart="never" nodeType="tmRoot"/>
+      </p:par>
+    </p:tnLst>
+  </p:timing>
 </p:sld>
 </file>
 
@@ -3926,6 +4353,13 @@
   <p:clrMapOvr>
     <a:masterClrMapping/>
   </p:clrMapOvr>
+  <p:timing>
+    <p:tnLst>
+      <p:par>
+        <p:cTn id="1" dur="indefinite" restart="never" nodeType="tmRoot"/>
+      </p:par>
+    </p:tnLst>
+  </p:timing>
 </p:sld>
 </file>
 
@@ -4058,6 +4492,13 @@
   <p:clrMapOvr>
     <a:masterClrMapping/>
   </p:clrMapOvr>
+  <p:timing>
+    <p:tnLst>
+      <p:par>
+        <p:cTn id="1" dur="indefinite" restart="never" nodeType="tmRoot"/>
+      </p:par>
+    </p:tnLst>
+  </p:timing>
 </p:sld>
 </file>
 
@@ -4185,6 +4626,13 @@
   <p:clrMapOvr>
     <a:masterClrMapping/>
   </p:clrMapOvr>
+  <p:timing>
+    <p:tnLst>
+      <p:par>
+        <p:cTn id="1" dur="indefinite" restart="never" nodeType="tmRoot"/>
+      </p:par>
+    </p:tnLst>
+  </p:timing>
 </p:sld>
 </file>
 
@@ -4318,6 +4766,13 @@
   <p:clrMapOvr>
     <a:masterClrMapping/>
   </p:clrMapOvr>
+  <p:timing>
+    <p:tnLst>
+      <p:par>
+        <p:cTn id="1" dur="indefinite" restart="never" nodeType="tmRoot"/>
+      </p:par>
+    </p:tnLst>
+  </p:timing>
 </p:sld>
 </file>
 
@@ -4395,13 +4850,7 @@
               <a:rPr lang="en-GB" b="1" dirty="0" smtClean="0">
                 <a:effectLst/>
               </a:rPr>
-              <a:t>git commit –m </a:t>
-            </a:r>
-            <a:r>
-              <a:rPr lang="en-GB" b="1" dirty="0" smtClean="0">
-                <a:effectLst/>
-              </a:rPr>
-              <a:t> </a:t>
+              <a:t>git commit –m  </a:t>
             </a:r>
             <a:r>
               <a:rPr lang="en-GB" dirty="0" smtClean="0"/>
@@ -4465,6 +4914,13 @@
   <p:clrMapOvr>
     <a:masterClrMapping/>
   </p:clrMapOvr>
+  <p:timing>
+    <p:tnLst>
+      <p:par>
+        <p:cTn id="1" dur="indefinite" restart="never" nodeType="tmRoot"/>
+      </p:par>
+    </p:tnLst>
+  </p:timing>
 </p:sld>
 </file>
 
@@ -4612,6 +5068,13 @@
   <p:clrMapOvr>
     <a:masterClrMapping/>
   </p:clrMapOvr>
+  <p:timing>
+    <p:tnLst>
+      <p:par>
+        <p:cTn id="1" dur="indefinite" restart="never" nodeType="tmRoot"/>
+      </p:par>
+    </p:tnLst>
+  </p:timing>
 </p:sld>
 </file>
 
@@ -4649,7 +5112,11 @@
           <a:p>
             <a:r>
               <a:rPr lang="es-ES" dirty="0" smtClean="0"/>
-              <a:t>Enlaces de interés</a:t>
+              <a:t>Uso básico - </a:t>
+            </a:r>
+            <a:r>
+              <a:rPr lang="es-ES" dirty="0" err="1" smtClean="0"/>
+              <a:t>branching</a:t>
             </a:r>
             <a:endParaRPr lang="en-GB" dirty="0"/>
           </a:p>
@@ -4670,52 +5137,89 @@
           <a:bodyPr/>
           <a:lstStyle/>
           <a:p>
-            <a:endParaRPr lang="en-GB" dirty="0" smtClean="0">
-              <a:hlinkClick r:id="rId2"/>
-            </a:endParaRPr>
-          </a:p>
-          <a:p>
-            <a:r>
-              <a:rPr lang="en-GB" dirty="0" smtClean="0">
-                <a:hlinkClick r:id="rId2"/>
-              </a:rPr>
-              <a:t>https://git-scm.com/docs/git</a:t>
-            </a:r>
-            <a:endParaRPr lang="en-GB" dirty="0" smtClean="0"/>
-          </a:p>
-          <a:p>
-            <a:r>
-              <a:rPr lang="en-GB" dirty="0" smtClean="0">
-                <a:hlinkClick r:id="rId3"/>
-              </a:rPr>
-              <a:t>https://es.wikipedia.org/wiki/Git</a:t>
-            </a:r>
-            <a:endParaRPr lang="en-GB" dirty="0" smtClean="0"/>
-          </a:p>
-          <a:p>
-            <a:r>
-              <a:rPr lang="en-GB" dirty="0" smtClean="0">
-                <a:hlinkClick r:id="rId4"/>
-              </a:rPr>
-              <a:t>https://git-scm.com/book/en/v1/Getting-Started-Git-Basics#_the_three_states</a:t>
-            </a:r>
-            <a:endParaRPr lang="en-GB" dirty="0" smtClean="0"/>
-          </a:p>
-          <a:p>
+            <a:pPr marL="457200" lvl="1" indent="0">
+              <a:buNone/>
+            </a:pPr>
+            <a:r>
+              <a:rPr lang="es-ES" dirty="0" smtClean="0"/>
+              <a:t>La ramas (</a:t>
+            </a:r>
+            <a:r>
+              <a:rPr lang="es-ES" dirty="0" err="1" smtClean="0"/>
+              <a:t>branches</a:t>
+            </a:r>
+            <a:r>
+              <a:rPr lang="es-ES" dirty="0" smtClean="0"/>
+              <a:t>) son utilizadas para añadir/corregir funcionalidades de forma aislada.</a:t>
+            </a:r>
+          </a:p>
+          <a:p>
+            <a:pPr marL="457200" lvl="1" indent="0">
+              <a:buNone/>
+            </a:pPr>
+            <a:endParaRPr lang="es-ES" dirty="0"/>
+          </a:p>
+          <a:p>
+            <a:pPr marL="457200" lvl="1" indent="0">
+              <a:buNone/>
+            </a:pPr>
+            <a:endParaRPr lang="es-ES" dirty="0" smtClean="0"/>
+          </a:p>
+          <a:p>
+            <a:pPr marL="457200" lvl="1" indent="0">
+              <a:buNone/>
+            </a:pPr>
             <a:endParaRPr lang="en-GB" dirty="0"/>
           </a:p>
         </p:txBody>
       </p:sp>
+      <p:pic>
+        <p:nvPicPr>
+          <p:cNvPr id="4" name="3 Imagen"/>
+          <p:cNvPicPr>
+            <a:picLocks noChangeAspect="1"/>
+          </p:cNvPicPr>
+          <p:nvPr/>
+        </p:nvPicPr>
+        <p:blipFill>
+          <a:blip r:embed="rId2">
+            <a:extLst>
+              <a:ext uri="{28A0092B-C50C-407E-A947-70E740481C1C}">
+                <a14:useLocalDpi xmlns:a14="http://schemas.microsoft.com/office/drawing/2010/main" val="0"/>
+              </a:ext>
+            </a:extLst>
+          </a:blip>
+          <a:stretch>
+            <a:fillRect/>
+          </a:stretch>
+        </p:blipFill>
+        <p:spPr>
+          <a:xfrm>
+            <a:off x="467544" y="2564904"/>
+            <a:ext cx="8208912" cy="3166252"/>
+          </a:xfrm>
+          <a:prstGeom prst="rect">
+            <a:avLst/>
+          </a:prstGeom>
+        </p:spPr>
+      </p:pic>
     </p:spTree>
     <p:extLst>
       <p:ext uri="{BB962C8B-B14F-4D97-AF65-F5344CB8AC3E}">
-        <p14:creationId xmlns:p14="http://schemas.microsoft.com/office/powerpoint/2010/main" val="1617905666"/>
+        <p14:creationId xmlns:p14="http://schemas.microsoft.com/office/powerpoint/2010/main" val="259093509"/>
       </p:ext>
     </p:extLst>
   </p:cSld>
   <p:clrMapOvr>
     <a:masterClrMapping/>
   </p:clrMapOvr>
+  <p:timing>
+    <p:tnLst>
+      <p:par>
+        <p:cTn id="1" dur="indefinite" restart="never" nodeType="tmRoot"/>
+      </p:par>
+    </p:tnLst>
+  </p:timing>
 </p:sld>
 </file>
 
